--- a/HuaChun_DailyReport/bin/Debug/image/晴雨圖.pptx
+++ b/HuaChun_DailyReport/bin/Debug/image/晴雨圖.pptx
@@ -289,7 +289,7 @@
             <a:fld id="{5BBEAD13-0566-4C6C-97E7-55F17F24B09F}" type="datetimeFigureOut">
               <a:rPr lang="zh-TW" altLang="en-US" smtClean="0"/>
               <a:pPr/>
-              <a:t>2016/9/24</a:t>
+              <a:t>2016/9/27</a:t>
             </a:fld>
             <a:endParaRPr lang="zh-TW" altLang="en-US"/>
           </a:p>
@@ -456,7 +456,7 @@
             <a:fld id="{5BBEAD13-0566-4C6C-97E7-55F17F24B09F}" type="datetimeFigureOut">
               <a:rPr lang="zh-TW" altLang="en-US" smtClean="0"/>
               <a:pPr/>
-              <a:t>2016/9/24</a:t>
+              <a:t>2016/9/27</a:t>
             </a:fld>
             <a:endParaRPr lang="zh-TW" altLang="en-US"/>
           </a:p>
@@ -633,7 +633,7 @@
             <a:fld id="{5BBEAD13-0566-4C6C-97E7-55F17F24B09F}" type="datetimeFigureOut">
               <a:rPr lang="zh-TW" altLang="en-US" smtClean="0"/>
               <a:pPr/>
-              <a:t>2016/9/24</a:t>
+              <a:t>2016/9/27</a:t>
             </a:fld>
             <a:endParaRPr lang="zh-TW" altLang="en-US"/>
           </a:p>
@@ -800,7 +800,7 @@
             <a:fld id="{5BBEAD13-0566-4C6C-97E7-55F17F24B09F}" type="datetimeFigureOut">
               <a:rPr lang="zh-TW" altLang="en-US" smtClean="0"/>
               <a:pPr/>
-              <a:t>2016/9/24</a:t>
+              <a:t>2016/9/27</a:t>
             </a:fld>
             <a:endParaRPr lang="zh-TW" altLang="en-US"/>
           </a:p>
@@ -1043,7 +1043,7 @@
             <a:fld id="{5BBEAD13-0566-4C6C-97E7-55F17F24B09F}" type="datetimeFigureOut">
               <a:rPr lang="zh-TW" altLang="en-US" smtClean="0"/>
               <a:pPr/>
-              <a:t>2016/9/24</a:t>
+              <a:t>2016/9/27</a:t>
             </a:fld>
             <a:endParaRPr lang="zh-TW" altLang="en-US"/>
           </a:p>
@@ -1328,7 +1328,7 @@
             <a:fld id="{5BBEAD13-0566-4C6C-97E7-55F17F24B09F}" type="datetimeFigureOut">
               <a:rPr lang="zh-TW" altLang="en-US" smtClean="0"/>
               <a:pPr/>
-              <a:t>2016/9/24</a:t>
+              <a:t>2016/9/27</a:t>
             </a:fld>
             <a:endParaRPr lang="zh-TW" altLang="en-US"/>
           </a:p>
@@ -1747,7 +1747,7 @@
             <a:fld id="{5BBEAD13-0566-4C6C-97E7-55F17F24B09F}" type="datetimeFigureOut">
               <a:rPr lang="zh-TW" altLang="en-US" smtClean="0"/>
               <a:pPr/>
-              <a:t>2016/9/24</a:t>
+              <a:t>2016/9/27</a:t>
             </a:fld>
             <a:endParaRPr lang="zh-TW" altLang="en-US"/>
           </a:p>
@@ -1862,7 +1862,7 @@
             <a:fld id="{5BBEAD13-0566-4C6C-97E7-55F17F24B09F}" type="datetimeFigureOut">
               <a:rPr lang="zh-TW" altLang="en-US" smtClean="0"/>
               <a:pPr/>
-              <a:t>2016/9/24</a:t>
+              <a:t>2016/9/27</a:t>
             </a:fld>
             <a:endParaRPr lang="zh-TW" altLang="en-US"/>
           </a:p>
@@ -1954,7 +1954,7 @@
             <a:fld id="{5BBEAD13-0566-4C6C-97E7-55F17F24B09F}" type="datetimeFigureOut">
               <a:rPr lang="zh-TW" altLang="en-US" smtClean="0"/>
               <a:pPr/>
-              <a:t>2016/9/24</a:t>
+              <a:t>2016/9/27</a:t>
             </a:fld>
             <a:endParaRPr lang="zh-TW" altLang="en-US"/>
           </a:p>
@@ -2228,7 +2228,7 @@
             <a:fld id="{5BBEAD13-0566-4C6C-97E7-55F17F24B09F}" type="datetimeFigureOut">
               <a:rPr lang="zh-TW" altLang="en-US" smtClean="0"/>
               <a:pPr/>
-              <a:t>2016/9/24</a:t>
+              <a:t>2016/9/27</a:t>
             </a:fld>
             <a:endParaRPr lang="zh-TW" altLang="en-US"/>
           </a:p>
@@ -2478,7 +2478,7 @@
             <a:fld id="{5BBEAD13-0566-4C6C-97E7-55F17F24B09F}" type="datetimeFigureOut">
               <a:rPr lang="zh-TW" altLang="en-US" smtClean="0"/>
               <a:pPr/>
-              <a:t>2016/9/24</a:t>
+              <a:t>2016/9/27</a:t>
             </a:fld>
             <a:endParaRPr lang="zh-TW" altLang="en-US"/>
           </a:p>
@@ -2688,7 +2688,7 @@
             <a:fld id="{5BBEAD13-0566-4C6C-97E7-55F17F24B09F}" type="datetimeFigureOut">
               <a:rPr lang="zh-TW" altLang="en-US" smtClean="0"/>
               <a:pPr/>
-              <a:t>2016/9/24</a:t>
+              <a:t>2016/9/27</a:t>
             </a:fld>
             <a:endParaRPr lang="zh-TW" altLang="en-US"/>
           </a:p>
@@ -4618,6 +4618,111 @@
             <a:avLst/>
           </a:prstGeom>
           <a:noFill/>
+          <a:ln w="9525">
+            <a:solidFill>
+              <a:schemeClr val="tx1"/>
+            </a:solidFill>
+          </a:ln>
+        </p:spPr>
+        <p:style>
+          <a:lnRef idx="2">
+            <a:schemeClr val="accent1">
+              <a:shade val="50000"/>
+            </a:schemeClr>
+          </a:lnRef>
+          <a:fillRef idx="1">
+            <a:schemeClr val="accent1"/>
+          </a:fillRef>
+          <a:effectRef idx="0">
+            <a:schemeClr val="accent1"/>
+          </a:effectRef>
+          <a:fontRef idx="minor">
+            <a:schemeClr val="lt1"/>
+          </a:fontRef>
+        </p:style>
+        <p:txBody>
+          <a:bodyPr rtlCol="0" anchor="ctr"/>
+          <a:lstStyle/>
+          <a:p>
+            <a:pPr algn="ctr"/>
+            <a:endParaRPr lang="zh-TW" altLang="en-US"/>
+          </a:p>
+        </p:txBody>
+      </p:sp>
+      <p:sp>
+        <p:nvSpPr>
+          <p:cNvPr id="36" name="菱形 35"/>
+          <p:cNvSpPr>
+            <a:spLocks noChangeAspect="1"/>
+          </p:cNvSpPr>
+          <p:nvPr/>
+        </p:nvSpPr>
+        <p:spPr>
+          <a:xfrm>
+            <a:off x="4067944" y="2060848"/>
+            <a:ext cx="259949" cy="259949"/>
+          </a:xfrm>
+          <a:prstGeom prst="diamond">
+            <a:avLst/>
+          </a:prstGeom>
+          <a:solidFill>
+            <a:schemeClr val="accent6">
+              <a:lumMod val="75000"/>
+            </a:schemeClr>
+          </a:solidFill>
+          <a:ln w="9525">
+            <a:solidFill>
+              <a:schemeClr val="tx1"/>
+            </a:solidFill>
+          </a:ln>
+        </p:spPr>
+        <p:style>
+          <a:lnRef idx="2">
+            <a:schemeClr val="accent1">
+              <a:shade val="50000"/>
+            </a:schemeClr>
+          </a:lnRef>
+          <a:fillRef idx="1">
+            <a:schemeClr val="accent1"/>
+          </a:fillRef>
+          <a:effectRef idx="0">
+            <a:schemeClr val="accent1"/>
+          </a:effectRef>
+          <a:fontRef idx="minor">
+            <a:schemeClr val="lt1"/>
+          </a:fontRef>
+        </p:style>
+        <p:txBody>
+          <a:bodyPr rtlCol="0" anchor="ctr"/>
+          <a:lstStyle/>
+          <a:p>
+            <a:pPr algn="ctr"/>
+            <a:endParaRPr lang="zh-TW" altLang="en-US"/>
+          </a:p>
+        </p:txBody>
+      </p:sp>
+      <p:sp>
+        <p:nvSpPr>
+          <p:cNvPr id="37" name="菱形 36"/>
+          <p:cNvSpPr>
+            <a:spLocks noChangeAspect="1"/>
+          </p:cNvSpPr>
+          <p:nvPr/>
+        </p:nvSpPr>
+        <p:spPr>
+          <a:xfrm>
+            <a:off x="4067944" y="2420888"/>
+            <a:ext cx="259949" cy="259949"/>
+          </a:xfrm>
+          <a:prstGeom prst="diamond">
+            <a:avLst/>
+          </a:prstGeom>
+          <a:solidFill>
+            <a:schemeClr val="accent4">
+              <a:lumMod val="60000"/>
+              <a:lumOff val="40000"/>
+            </a:schemeClr>
+          </a:solidFill>
           <a:ln w="9525">
             <a:solidFill>
               <a:schemeClr val="tx1"/>

--- a/HuaChun_DailyReport/bin/Debug/image/晴雨圖.pptx
+++ b/HuaChun_DailyReport/bin/Debug/image/晴雨圖.pptx
@@ -289,7 +289,7 @@
             <a:fld id="{5BBEAD13-0566-4C6C-97E7-55F17F24B09F}" type="datetimeFigureOut">
               <a:rPr lang="zh-TW" altLang="en-US" smtClean="0"/>
               <a:pPr/>
-              <a:t>2016/9/27</a:t>
+              <a:t>2016/10/8</a:t>
             </a:fld>
             <a:endParaRPr lang="zh-TW" altLang="en-US"/>
           </a:p>
@@ -456,7 +456,7 @@
             <a:fld id="{5BBEAD13-0566-4C6C-97E7-55F17F24B09F}" type="datetimeFigureOut">
               <a:rPr lang="zh-TW" altLang="en-US" smtClean="0"/>
               <a:pPr/>
-              <a:t>2016/9/27</a:t>
+              <a:t>2016/10/8</a:t>
             </a:fld>
             <a:endParaRPr lang="zh-TW" altLang="en-US"/>
           </a:p>
@@ -633,7 +633,7 @@
             <a:fld id="{5BBEAD13-0566-4C6C-97E7-55F17F24B09F}" type="datetimeFigureOut">
               <a:rPr lang="zh-TW" altLang="en-US" smtClean="0"/>
               <a:pPr/>
-              <a:t>2016/9/27</a:t>
+              <a:t>2016/10/8</a:t>
             </a:fld>
             <a:endParaRPr lang="zh-TW" altLang="en-US"/>
           </a:p>
@@ -800,7 +800,7 @@
             <a:fld id="{5BBEAD13-0566-4C6C-97E7-55F17F24B09F}" type="datetimeFigureOut">
               <a:rPr lang="zh-TW" altLang="en-US" smtClean="0"/>
               <a:pPr/>
-              <a:t>2016/9/27</a:t>
+              <a:t>2016/10/8</a:t>
             </a:fld>
             <a:endParaRPr lang="zh-TW" altLang="en-US"/>
           </a:p>
@@ -1043,7 +1043,7 @@
             <a:fld id="{5BBEAD13-0566-4C6C-97E7-55F17F24B09F}" type="datetimeFigureOut">
               <a:rPr lang="zh-TW" altLang="en-US" smtClean="0"/>
               <a:pPr/>
-              <a:t>2016/9/27</a:t>
+              <a:t>2016/10/8</a:t>
             </a:fld>
             <a:endParaRPr lang="zh-TW" altLang="en-US"/>
           </a:p>
@@ -1328,7 +1328,7 @@
             <a:fld id="{5BBEAD13-0566-4C6C-97E7-55F17F24B09F}" type="datetimeFigureOut">
               <a:rPr lang="zh-TW" altLang="en-US" smtClean="0"/>
               <a:pPr/>
-              <a:t>2016/9/27</a:t>
+              <a:t>2016/10/8</a:t>
             </a:fld>
             <a:endParaRPr lang="zh-TW" altLang="en-US"/>
           </a:p>
@@ -1747,7 +1747,7 @@
             <a:fld id="{5BBEAD13-0566-4C6C-97E7-55F17F24B09F}" type="datetimeFigureOut">
               <a:rPr lang="zh-TW" altLang="en-US" smtClean="0"/>
               <a:pPr/>
-              <a:t>2016/9/27</a:t>
+              <a:t>2016/10/8</a:t>
             </a:fld>
             <a:endParaRPr lang="zh-TW" altLang="en-US"/>
           </a:p>
@@ -1862,7 +1862,7 @@
             <a:fld id="{5BBEAD13-0566-4C6C-97E7-55F17F24B09F}" type="datetimeFigureOut">
               <a:rPr lang="zh-TW" altLang="en-US" smtClean="0"/>
               <a:pPr/>
-              <a:t>2016/9/27</a:t>
+              <a:t>2016/10/8</a:t>
             </a:fld>
             <a:endParaRPr lang="zh-TW" altLang="en-US"/>
           </a:p>
@@ -1954,7 +1954,7 @@
             <a:fld id="{5BBEAD13-0566-4C6C-97E7-55F17F24B09F}" type="datetimeFigureOut">
               <a:rPr lang="zh-TW" altLang="en-US" smtClean="0"/>
               <a:pPr/>
-              <a:t>2016/9/27</a:t>
+              <a:t>2016/10/8</a:t>
             </a:fld>
             <a:endParaRPr lang="zh-TW" altLang="en-US"/>
           </a:p>
@@ -2228,7 +2228,7 @@
             <a:fld id="{5BBEAD13-0566-4C6C-97E7-55F17F24B09F}" type="datetimeFigureOut">
               <a:rPr lang="zh-TW" altLang="en-US" smtClean="0"/>
               <a:pPr/>
-              <a:t>2016/9/27</a:t>
+              <a:t>2016/10/8</a:t>
             </a:fld>
             <a:endParaRPr lang="zh-TW" altLang="en-US"/>
           </a:p>
@@ -2478,7 +2478,7 @@
             <a:fld id="{5BBEAD13-0566-4C6C-97E7-55F17F24B09F}" type="datetimeFigureOut">
               <a:rPr lang="zh-TW" altLang="en-US" smtClean="0"/>
               <a:pPr/>
-              <a:t>2016/9/27</a:t>
+              <a:t>2016/10/8</a:t>
             </a:fld>
             <a:endParaRPr lang="zh-TW" altLang="en-US"/>
           </a:p>
@@ -2688,7 +2688,7 @@
             <a:fld id="{5BBEAD13-0566-4C6C-97E7-55F17F24B09F}" type="datetimeFigureOut">
               <a:rPr lang="zh-TW" altLang="en-US" smtClean="0"/>
               <a:pPr/>
-              <a:t>2016/9/27</a:t>
+              <a:t>2016/10/8</a:t>
             </a:fld>
             <a:endParaRPr lang="zh-TW" altLang="en-US"/>
           </a:p>
@@ -4723,6 +4723,105 @@
               <a:lumOff val="40000"/>
             </a:schemeClr>
           </a:solidFill>
+          <a:ln w="9525">
+            <a:solidFill>
+              <a:schemeClr val="tx1"/>
+            </a:solidFill>
+          </a:ln>
+        </p:spPr>
+        <p:style>
+          <a:lnRef idx="2">
+            <a:schemeClr val="accent1">
+              <a:shade val="50000"/>
+            </a:schemeClr>
+          </a:lnRef>
+          <a:fillRef idx="1">
+            <a:schemeClr val="accent1"/>
+          </a:fillRef>
+          <a:effectRef idx="0">
+            <a:schemeClr val="accent1"/>
+          </a:effectRef>
+          <a:fontRef idx="minor">
+            <a:schemeClr val="lt1"/>
+          </a:fontRef>
+        </p:style>
+        <p:txBody>
+          <a:bodyPr rtlCol="0" anchor="ctr"/>
+          <a:lstStyle/>
+          <a:p>
+            <a:pPr algn="ctr"/>
+            <a:endParaRPr lang="zh-TW" altLang="en-US"/>
+          </a:p>
+        </p:txBody>
+      </p:sp>
+      <p:sp>
+        <p:nvSpPr>
+          <p:cNvPr id="38" name="菱形 37"/>
+          <p:cNvSpPr>
+            <a:spLocks noChangeAspect="1"/>
+          </p:cNvSpPr>
+          <p:nvPr/>
+        </p:nvSpPr>
+        <p:spPr>
+          <a:xfrm>
+            <a:off x="4067944" y="2780928"/>
+            <a:ext cx="259949" cy="259949"/>
+          </a:xfrm>
+          <a:prstGeom prst="diamond">
+            <a:avLst/>
+          </a:prstGeom>
+          <a:solidFill>
+            <a:schemeClr val="bg2">
+              <a:lumMod val="75000"/>
+            </a:schemeClr>
+          </a:solidFill>
+          <a:ln w="9525">
+            <a:solidFill>
+              <a:schemeClr val="tx1"/>
+            </a:solidFill>
+          </a:ln>
+        </p:spPr>
+        <p:style>
+          <a:lnRef idx="2">
+            <a:schemeClr val="accent1">
+              <a:shade val="50000"/>
+            </a:schemeClr>
+          </a:lnRef>
+          <a:fillRef idx="1">
+            <a:schemeClr val="accent1"/>
+          </a:fillRef>
+          <a:effectRef idx="0">
+            <a:schemeClr val="accent1"/>
+          </a:effectRef>
+          <a:fontRef idx="minor">
+            <a:schemeClr val="lt1"/>
+          </a:fontRef>
+        </p:style>
+        <p:txBody>
+          <a:bodyPr rtlCol="0" anchor="ctr"/>
+          <a:lstStyle/>
+          <a:p>
+            <a:pPr algn="ctr"/>
+            <a:endParaRPr lang="zh-TW" altLang="en-US"/>
+          </a:p>
+        </p:txBody>
+      </p:sp>
+      <p:sp>
+        <p:nvSpPr>
+          <p:cNvPr id="39" name="矩形 38"/>
+          <p:cNvSpPr>
+            <a:spLocks noChangeAspect="1"/>
+          </p:cNvSpPr>
+          <p:nvPr/>
+        </p:nvSpPr>
+        <p:spPr>
+          <a:xfrm>
+            <a:off x="4572000" y="2060848"/>
+            <a:ext cx="209952" cy="209952"/>
+          </a:xfrm>
+          <a:prstGeom prst="rect">
+            <a:avLst/>
+          </a:prstGeom>
           <a:ln w="9525">
             <a:solidFill>
               <a:schemeClr val="tx1"/>

--- a/HuaChun_DailyReport/bin/Debug/image/晴雨圖.pptx
+++ b/HuaChun_DailyReport/bin/Debug/image/晴雨圖.pptx
@@ -289,7 +289,7 @@
             <a:fld id="{5BBEAD13-0566-4C6C-97E7-55F17F24B09F}" type="datetimeFigureOut">
               <a:rPr lang="zh-TW" altLang="en-US" smtClean="0"/>
               <a:pPr/>
-              <a:t>2016/10/8</a:t>
+              <a:t>2016/10/9</a:t>
             </a:fld>
             <a:endParaRPr lang="zh-TW" altLang="en-US"/>
           </a:p>
@@ -456,7 +456,7 @@
             <a:fld id="{5BBEAD13-0566-4C6C-97E7-55F17F24B09F}" type="datetimeFigureOut">
               <a:rPr lang="zh-TW" altLang="en-US" smtClean="0"/>
               <a:pPr/>
-              <a:t>2016/10/8</a:t>
+              <a:t>2016/10/9</a:t>
             </a:fld>
             <a:endParaRPr lang="zh-TW" altLang="en-US"/>
           </a:p>
@@ -633,7 +633,7 @@
             <a:fld id="{5BBEAD13-0566-4C6C-97E7-55F17F24B09F}" type="datetimeFigureOut">
               <a:rPr lang="zh-TW" altLang="en-US" smtClean="0"/>
               <a:pPr/>
-              <a:t>2016/10/8</a:t>
+              <a:t>2016/10/9</a:t>
             </a:fld>
             <a:endParaRPr lang="zh-TW" altLang="en-US"/>
           </a:p>
@@ -800,7 +800,7 @@
             <a:fld id="{5BBEAD13-0566-4C6C-97E7-55F17F24B09F}" type="datetimeFigureOut">
               <a:rPr lang="zh-TW" altLang="en-US" smtClean="0"/>
               <a:pPr/>
-              <a:t>2016/10/8</a:t>
+              <a:t>2016/10/9</a:t>
             </a:fld>
             <a:endParaRPr lang="zh-TW" altLang="en-US"/>
           </a:p>
@@ -1043,7 +1043,7 @@
             <a:fld id="{5BBEAD13-0566-4C6C-97E7-55F17F24B09F}" type="datetimeFigureOut">
               <a:rPr lang="zh-TW" altLang="en-US" smtClean="0"/>
               <a:pPr/>
-              <a:t>2016/10/8</a:t>
+              <a:t>2016/10/9</a:t>
             </a:fld>
             <a:endParaRPr lang="zh-TW" altLang="en-US"/>
           </a:p>
@@ -1328,7 +1328,7 @@
             <a:fld id="{5BBEAD13-0566-4C6C-97E7-55F17F24B09F}" type="datetimeFigureOut">
               <a:rPr lang="zh-TW" altLang="en-US" smtClean="0"/>
               <a:pPr/>
-              <a:t>2016/10/8</a:t>
+              <a:t>2016/10/9</a:t>
             </a:fld>
             <a:endParaRPr lang="zh-TW" altLang="en-US"/>
           </a:p>
@@ -1747,7 +1747,7 @@
             <a:fld id="{5BBEAD13-0566-4C6C-97E7-55F17F24B09F}" type="datetimeFigureOut">
               <a:rPr lang="zh-TW" altLang="en-US" smtClean="0"/>
               <a:pPr/>
-              <a:t>2016/10/8</a:t>
+              <a:t>2016/10/9</a:t>
             </a:fld>
             <a:endParaRPr lang="zh-TW" altLang="en-US"/>
           </a:p>
@@ -1862,7 +1862,7 @@
             <a:fld id="{5BBEAD13-0566-4C6C-97E7-55F17F24B09F}" type="datetimeFigureOut">
               <a:rPr lang="zh-TW" altLang="en-US" smtClean="0"/>
               <a:pPr/>
-              <a:t>2016/10/8</a:t>
+              <a:t>2016/10/9</a:t>
             </a:fld>
             <a:endParaRPr lang="zh-TW" altLang="en-US"/>
           </a:p>
@@ -1954,7 +1954,7 @@
             <a:fld id="{5BBEAD13-0566-4C6C-97E7-55F17F24B09F}" type="datetimeFigureOut">
               <a:rPr lang="zh-TW" altLang="en-US" smtClean="0"/>
               <a:pPr/>
-              <a:t>2016/10/8</a:t>
+              <a:t>2016/10/9</a:t>
             </a:fld>
             <a:endParaRPr lang="zh-TW" altLang="en-US"/>
           </a:p>
@@ -2228,7 +2228,7 @@
             <a:fld id="{5BBEAD13-0566-4C6C-97E7-55F17F24B09F}" type="datetimeFigureOut">
               <a:rPr lang="zh-TW" altLang="en-US" smtClean="0"/>
               <a:pPr/>
-              <a:t>2016/10/8</a:t>
+              <a:t>2016/10/9</a:t>
             </a:fld>
             <a:endParaRPr lang="zh-TW" altLang="en-US"/>
           </a:p>
@@ -2478,7 +2478,7 @@
             <a:fld id="{5BBEAD13-0566-4C6C-97E7-55F17F24B09F}" type="datetimeFigureOut">
               <a:rPr lang="zh-TW" altLang="en-US" smtClean="0"/>
               <a:pPr/>
-              <a:t>2016/10/8</a:t>
+              <a:t>2016/10/9</a:t>
             </a:fld>
             <a:endParaRPr lang="zh-TW" altLang="en-US"/>
           </a:p>
@@ -2688,7 +2688,7 @@
             <a:fld id="{5BBEAD13-0566-4C6C-97E7-55F17F24B09F}" type="datetimeFigureOut">
               <a:rPr lang="zh-TW" altLang="en-US" smtClean="0"/>
               <a:pPr/>
-              <a:t>2016/10/8</a:t>
+              <a:t>2016/10/9</a:t>
             </a:fld>
             <a:endParaRPr lang="zh-TW" altLang="en-US"/>
           </a:p>
@@ -4822,6 +4822,56 @@
           <a:prstGeom prst="rect">
             <a:avLst/>
           </a:prstGeom>
+          <a:ln w="9525">
+            <a:solidFill>
+              <a:schemeClr val="tx1"/>
+            </a:solidFill>
+          </a:ln>
+        </p:spPr>
+        <p:style>
+          <a:lnRef idx="2">
+            <a:schemeClr val="accent1">
+              <a:shade val="50000"/>
+            </a:schemeClr>
+          </a:lnRef>
+          <a:fillRef idx="1">
+            <a:schemeClr val="accent1"/>
+          </a:fillRef>
+          <a:effectRef idx="0">
+            <a:schemeClr val="accent1"/>
+          </a:effectRef>
+          <a:fontRef idx="minor">
+            <a:schemeClr val="lt1"/>
+          </a:fontRef>
+        </p:style>
+        <p:txBody>
+          <a:bodyPr rtlCol="0" anchor="ctr"/>
+          <a:lstStyle/>
+          <a:p>
+            <a:pPr algn="ctr"/>
+            <a:endParaRPr lang="zh-TW" altLang="en-US"/>
+          </a:p>
+        </p:txBody>
+      </p:sp>
+      <p:sp>
+        <p:nvSpPr>
+          <p:cNvPr id="40" name="菱形 39"/>
+          <p:cNvSpPr>
+            <a:spLocks noChangeAspect="1"/>
+          </p:cNvSpPr>
+          <p:nvPr/>
+        </p:nvSpPr>
+        <p:spPr>
+          <a:xfrm>
+            <a:off x="4067944" y="3140968"/>
+            <a:ext cx="259949" cy="259949"/>
+          </a:xfrm>
+          <a:prstGeom prst="diamond">
+            <a:avLst/>
+          </a:prstGeom>
+          <a:solidFill>
+            <a:srgbClr val="00B0F0"/>
+          </a:solidFill>
           <a:ln w="9525">
             <a:solidFill>
               <a:schemeClr val="tx1"/>

--- a/HuaChun_DailyReport/bin/Debug/image/晴雨圖.pptx
+++ b/HuaChun_DailyReport/bin/Debug/image/晴雨圖.pptx
@@ -3075,9 +3075,7 @@
           <a:prstGeom prst="triangle">
             <a:avLst/>
           </a:prstGeom>
-          <a:solidFill>
-            <a:schemeClr val="tx1"/>
-          </a:solidFill>
+          <a:noFill/>
           <a:ln w="9525">
             <a:solidFill>
               <a:schemeClr val="tx1"/>
@@ -4483,14 +4481,14 @@
         </p:nvSpPr>
         <p:spPr>
           <a:xfrm rot="10800000">
-            <a:off x="3261570" y="3239167"/>
+            <a:off x="3261568" y="3232028"/>
             <a:ext cx="118799" cy="102413"/>
           </a:xfrm>
           <a:prstGeom prst="triangle">
             <a:avLst/>
           </a:prstGeom>
           <a:solidFill>
-            <a:schemeClr val="bg1"/>
+            <a:schemeClr val="tx1"/>
           </a:solidFill>
           <a:ln w="9525">
             <a:solidFill>
